--- a/paper_figure_aaai.pptx
+++ b/paper_figure_aaai.pptx
@@ -3150,14 +3150,7 @@
                   <a:latin typeface="Times New Roman"/>
                   <a:cs typeface="Times New Roman"/>
                 </a:rPr>
-                <a:t>Preprocessing </a:t>
-              </a:r>
-              <a:r>
-                <a:rPr lang="en-US" sz="1600" i="1" dirty="0" smtClean="0">
-                  <a:latin typeface="Times New Roman"/>
-                  <a:cs typeface="Times New Roman"/>
-                </a:rPr>
-                <a:t>&amp; </a:t>
+                <a:t>Preprocessing &amp; </a:t>
               </a:r>
             </a:p>
             <a:p>
@@ -3167,14 +3160,7 @@
                   <a:latin typeface="Times New Roman"/>
                   <a:cs typeface="Times New Roman"/>
                 </a:rPr>
-                <a:t>Patches </a:t>
-              </a:r>
-              <a:r>
-                <a:rPr lang="en-US" sz="1600" i="1" dirty="0" smtClean="0">
-                  <a:latin typeface="Times New Roman"/>
-                  <a:cs typeface="Times New Roman"/>
-                </a:rPr>
-                <a:t>extraction</a:t>
+                <a:t>Patches extraction</a:t>
               </a:r>
               <a:endParaRPr lang="en-US" sz="1600" i="1" dirty="0">
                 <a:latin typeface="Times New Roman"/>
@@ -3534,10 +3520,6 @@
                   </a:rPr>
                   <a:t>Inhibitive </a:t>
                 </a:r>
-                <a:endParaRPr lang="en-US" sz="1600" i="1" dirty="0" smtClean="0">
-                  <a:latin typeface="Times New Roman"/>
-                  <a:cs typeface="Times New Roman"/>
-                </a:endParaRPr>
               </a:p>
               <a:p>
                 <a:pPr algn="ctr"/>
@@ -3546,14 +3528,7 @@
                     <a:latin typeface="Times New Roman"/>
                     <a:cs typeface="Times New Roman"/>
                   </a:rPr>
-                  <a:t>Feature </a:t>
-                </a:r>
-                <a:r>
-                  <a:rPr lang="en-US" sz="1600" i="1" dirty="0" smtClean="0">
-                    <a:latin typeface="Times New Roman"/>
-                    <a:cs typeface="Times New Roman"/>
-                  </a:rPr>
-                  <a:t>Selection Algorithm</a:t>
+                  <a:t>Feature Selection Algorithm</a:t>
                 </a:r>
                 <a:endParaRPr lang="en-US" sz="1600" i="1" dirty="0">
                   <a:latin typeface="Times New Roman"/>
@@ -3695,8 +3670,8 @@
           </p:nvSpPr>
           <p:spPr>
             <a:xfrm>
-              <a:off x="5095824" y="66732"/>
-              <a:ext cx="1684837" cy="334352"/>
+              <a:off x="4953456" y="66732"/>
+              <a:ext cx="1957527" cy="473806"/>
             </a:xfrm>
             <a:prstGeom prst="roundRect">
               <a:avLst/>
@@ -3730,12 +3705,19 @@
                 </a:rPr>
                 <a:t>Indexed </a:t>
               </a:r>
+              <a:endParaRPr lang="en-US" sz="1600" i="1" dirty="0" smtClean="0">
+                <a:latin typeface="Times New Roman"/>
+                <a:cs typeface="Times New Roman"/>
+              </a:endParaRPr>
+            </a:p>
+            <a:p>
+              <a:pPr algn="ctr"/>
               <a:r>
                 <a:rPr lang="en-US" sz="1600" i="1" dirty="0" smtClean="0">
                   <a:latin typeface="Times New Roman"/>
                   <a:cs typeface="Times New Roman"/>
                 </a:rPr>
-                <a:t>Database</a:t>
+                <a:t>Retrieval Database</a:t>
               </a:r>
               <a:endParaRPr lang="en-US" sz="1600" i="1" dirty="0">
                 <a:latin typeface="Times New Roman"/>
@@ -4048,8 +4030,8 @@
           </p:nvCxnSpPr>
           <p:spPr>
             <a:xfrm>
-              <a:off x="6029427" y="401083"/>
-              <a:ext cx="0" cy="422782"/>
+              <a:off x="6029427" y="540538"/>
+              <a:ext cx="0" cy="283327"/>
             </a:xfrm>
             <a:prstGeom prst="straightConnector1">
               <a:avLst/>
@@ -4087,8 +4069,8 @@
           </p:nvCxnSpPr>
           <p:spPr>
             <a:xfrm rot="5400000">
-              <a:off x="4376549" y="1254508"/>
-              <a:ext cx="2053101" cy="346252"/>
+              <a:off x="4446277" y="1324235"/>
+              <a:ext cx="1913647" cy="346253"/>
             </a:xfrm>
             <a:prstGeom prst="bentConnector2">
               <a:avLst/>
